--- a/Slide/10- Different General Methods in Algorithms Design.pptx
+++ b/Slide/10- Different General Methods in Algorithms Design.pptx
@@ -5,10 +5,10 @@
     <p:sldMasterId id="2147483714" r:id="rId4"/>
   </p:sldMasterIdLst>
   <p:notesMasterIdLst>
-    <p:notesMasterId r:id="rId30"/>
+    <p:notesMasterId r:id="rId31"/>
   </p:notesMasterIdLst>
   <p:handoutMasterIdLst>
-    <p:handoutMasterId r:id="rId31"/>
+    <p:handoutMasterId r:id="rId32"/>
   </p:handoutMasterIdLst>
   <p:sldIdLst>
     <p:sldId id="263" r:id="rId5"/>
@@ -29,13 +29,14 @@
     <p:sldId id="446" r:id="rId20"/>
     <p:sldId id="447" r:id="rId21"/>
     <p:sldId id="448" r:id="rId22"/>
-    <p:sldId id="452" r:id="rId23"/>
-    <p:sldId id="449" r:id="rId24"/>
-    <p:sldId id="451" r:id="rId25"/>
-    <p:sldId id="450" r:id="rId26"/>
-    <p:sldId id="345" r:id="rId27"/>
-    <p:sldId id="436" r:id="rId28"/>
-    <p:sldId id="269" r:id="rId29"/>
+    <p:sldId id="454" r:id="rId23"/>
+    <p:sldId id="452" r:id="rId24"/>
+    <p:sldId id="449" r:id="rId25"/>
+    <p:sldId id="451" r:id="rId26"/>
+    <p:sldId id="450" r:id="rId27"/>
+    <p:sldId id="345" r:id="rId28"/>
+    <p:sldId id="436" r:id="rId29"/>
+    <p:sldId id="269" r:id="rId30"/>
   </p:sldIdLst>
   <p:sldSz cx="12192000" cy="6858000"/>
   <p:notesSz cx="6858000" cy="9144000"/>
@@ -2698,7 +2699,7 @@
           <a:p>
             <a:fld id="{F5647B97-F030-426D-A9D1-6B39B13C23ED}" type="datetimeFigureOut">
               <a:rPr lang="en-US" smtClean="0"/>
-              <a:t>4/9/2023</a:t>
+              <a:t>4/10/2023</a:t>
             </a:fld>
             <a:endParaRPr lang="en-US" dirty="0"/>
           </a:p>
@@ -2875,7 +2876,7 @@
           <a:p>
             <a:fld id="{6AF24CBC-D461-4ECA-A489-D3A30E0FB795}" type="datetimeFigureOut">
               <a:rPr lang="en-US" smtClean="0"/>
-              <a:t>4/9/2023</a:t>
+              <a:t>4/10/2023</a:t>
             </a:fld>
             <a:endParaRPr lang="en-US" dirty="0"/>
           </a:p>
@@ -3546,7 +3547,7 @@
           <a:p>
             <a:fld id="{C051351B-2C5D-457B-ABE5-B64DBC7BD410}" type="slidenum">
               <a:rPr lang="en-US" smtClean="0"/>
-              <a:t>24</a:t>
+              <a:t>25</a:t>
             </a:fld>
             <a:endParaRPr lang="en-US" dirty="0"/>
           </a:p>
@@ -3556,6 +3557,90 @@
     <p:extLst>
       <p:ext uri="{BB962C8B-B14F-4D97-AF65-F5344CB8AC3E}">
         <p14:creationId xmlns:p14="http://schemas.microsoft.com/office/powerpoint/2010/main" val="741005274"/>
+      </p:ext>
+    </p:extLst>
+  </p:cSld>
+  <p:clrMapOvr>
+    <a:masterClrMapping/>
+  </p:clrMapOvr>
+</p:notes>
+</file>
+
+<file path=ppt/notesSlides/notesSlide6.xml><?xml version="1.0" encoding="utf-8"?>
+<p:notes xmlns:a="http://schemas.openxmlformats.org/drawingml/2006/main" xmlns:r="http://schemas.openxmlformats.org/officeDocument/2006/relationships" xmlns:p="http://schemas.openxmlformats.org/presentationml/2006/main">
+  <p:cSld>
+    <p:spTree>
+      <p:nvGrpSpPr>
+        <p:cNvPr id="1" name=""/>
+        <p:cNvGrpSpPr/>
+        <p:nvPr/>
+      </p:nvGrpSpPr>
+      <p:grpSpPr>
+        <a:xfrm>
+          <a:off x="0" y="0"/>
+          <a:ext cx="0" cy="0"/>
+          <a:chOff x="0" y="0"/>
+          <a:chExt cx="0" cy="0"/>
+        </a:xfrm>
+      </p:grpSpPr>
+      <p:sp>
+        <p:nvSpPr>
+          <p:cNvPr id="2" name="Slide Image Placeholder 1"/>
+          <p:cNvSpPr>
+            <a:spLocks noGrp="1" noRot="1" noChangeAspect="1"/>
+          </p:cNvSpPr>
+          <p:nvPr>
+            <p:ph type="sldImg"/>
+          </p:nvPr>
+        </p:nvSpPr>
+        <p:spPr/>
+      </p:sp>
+      <p:sp>
+        <p:nvSpPr>
+          <p:cNvPr id="3" name="Notes Placeholder 2"/>
+          <p:cNvSpPr>
+            <a:spLocks noGrp="1"/>
+          </p:cNvSpPr>
+          <p:nvPr>
+            <p:ph type="body" idx="1"/>
+          </p:nvPr>
+        </p:nvSpPr>
+        <p:spPr/>
+        <p:txBody>
+          <a:bodyPr/>
+          <a:lstStyle/>
+          <a:p>
+            <a:endParaRPr lang="en-US" u="none" dirty="0"/>
+          </a:p>
+        </p:txBody>
+      </p:sp>
+      <p:sp>
+        <p:nvSpPr>
+          <p:cNvPr id="4" name="Slide Number Placeholder 3"/>
+          <p:cNvSpPr>
+            <a:spLocks noGrp="1"/>
+          </p:cNvSpPr>
+          <p:nvPr>
+            <p:ph type="sldNum" sz="quarter" idx="5"/>
+          </p:nvPr>
+        </p:nvSpPr>
+        <p:spPr/>
+        <p:txBody>
+          <a:bodyPr/>
+          <a:lstStyle/>
+          <a:p>
+            <a:fld id="{C051351B-2C5D-457B-ABE5-B64DBC7BD410}" type="slidenum">
+              <a:rPr lang="en-US" smtClean="0"/>
+              <a:t>26</a:t>
+            </a:fld>
+            <a:endParaRPr lang="en-US" dirty="0"/>
+          </a:p>
+        </p:txBody>
+      </p:sp>
+    </p:spTree>
+    <p:extLst>
+      <p:ext uri="{BB962C8B-B14F-4D97-AF65-F5344CB8AC3E}">
+        <p14:creationId xmlns:p14="http://schemas.microsoft.com/office/powerpoint/2010/main" val="540066361"/>
       </p:ext>
     </p:extLst>
   </p:cSld>
@@ -3741,7 +3826,7 @@
           <a:p>
             <a:fld id="{530D48CF-CA04-4783-93AD-979ACAA61BAD}" type="datetime1">
               <a:rPr lang="en-US" smtClean="0"/>
-              <a:t>4/9/2023</a:t>
+              <a:t>4/10/2023</a:t>
             </a:fld>
             <a:endParaRPr lang="en-US" dirty="0"/>
           </a:p>
@@ -4020,7 +4105,7 @@
           <a:p>
             <a:fld id="{B3CD8F5E-101B-4FAA-9D82-961F1DB1544E}" type="datetime1">
               <a:rPr lang="en-US" smtClean="0"/>
-              <a:t>4/9/2023</a:t>
+              <a:t>4/10/2023</a:t>
             </a:fld>
             <a:endParaRPr lang="en-US" dirty="0"/>
           </a:p>
@@ -4247,7 +4332,7 @@
           <a:p>
             <a:fld id="{ED27139F-35B2-43FA-B637-88921C5FFDC1}" type="datetime1">
               <a:rPr lang="en-US" smtClean="0"/>
-              <a:t>4/9/2023</a:t>
+              <a:t>4/10/2023</a:t>
             </a:fld>
             <a:endParaRPr lang="en-US" dirty="0"/>
           </a:p>
@@ -4448,7 +4533,7 @@
           <a:p>
             <a:fld id="{B70B01E3-C0B1-4B9B-89A9-02A94F8923FD}" type="datetime1">
               <a:rPr lang="en-US" smtClean="0"/>
-              <a:t>4/9/2023</a:t>
+              <a:t>4/10/2023</a:t>
             </a:fld>
             <a:endParaRPr lang="en-US" dirty="0"/>
           </a:p>
@@ -4639,7 +4724,7 @@
           <a:p>
             <a:fld id="{AD6E31F1-ECC9-4BD6-B025-EF3978C15B30}" type="datetime1">
               <a:rPr lang="en-US" smtClean="0"/>
-              <a:t>4/9/2023</a:t>
+              <a:t>4/10/2023</a:t>
             </a:fld>
             <a:endParaRPr lang="en-US" dirty="0"/>
           </a:p>
@@ -4947,7 +5032,7 @@
           <a:p>
             <a:fld id="{0723E066-FCF7-4D43-8CE1-1C08EC1A1793}" type="datetime1">
               <a:rPr lang="en-US" smtClean="0"/>
-              <a:t>4/9/2023</a:t>
+              <a:t>4/10/2023</a:t>
             </a:fld>
             <a:endParaRPr lang="en-US" dirty="0"/>
           </a:p>
@@ -5378,7 +5463,7 @@
           <a:p>
             <a:fld id="{56DC8794-11C8-4B79-A4E9-18EDC7F6F0E1}" type="datetime1">
               <a:rPr lang="en-US" smtClean="0"/>
-              <a:t>4/9/2023</a:t>
+              <a:t>4/10/2023</a:t>
             </a:fld>
             <a:endParaRPr lang="en-US" dirty="0"/>
           </a:p>
@@ -5505,7 +5590,7 @@
           <a:p>
             <a:fld id="{A3CD5C23-9E41-495D-915A-9AA2F40B498D}" type="datetime1">
               <a:rPr lang="en-US" smtClean="0"/>
-              <a:t>4/9/2023</a:t>
+              <a:t>4/10/2023</a:t>
             </a:fld>
             <a:endParaRPr lang="en-US" dirty="0"/>
           </a:p>
@@ -5604,7 +5689,7 @@
           <a:p>
             <a:fld id="{44F57D3B-5F64-44A5-AA84-66F74DA0B34C}" type="datetime1">
               <a:rPr lang="en-US" smtClean="0"/>
-              <a:t>4/9/2023</a:t>
+              <a:t>4/10/2023</a:t>
             </a:fld>
             <a:endParaRPr lang="en-US" dirty="0"/>
           </a:p>
@@ -5909,7 +5994,7 @@
           <a:p>
             <a:fld id="{2A0FC8FD-3A4C-43CB-AF34-DC8E25AC924B}" type="datetime1">
               <a:rPr lang="en-US" smtClean="0"/>
-              <a:t>4/9/2023</a:t>
+              <a:t>4/10/2023</a:t>
             </a:fld>
             <a:endParaRPr lang="en-US" dirty="0"/>
           </a:p>
@@ -6183,7 +6268,7 @@
           <a:p>
             <a:fld id="{7B82EBCC-AAFA-45D8-862F-DAF4C6B28F16}" type="datetime1">
               <a:rPr lang="en-US" smtClean="0"/>
-              <a:t>4/9/2023</a:t>
+              <a:t>4/10/2023</a:t>
             </a:fld>
             <a:endParaRPr lang="en-US" dirty="0"/>
           </a:p>
@@ -6434,7 +6519,7 @@
           <a:p>
             <a:fld id="{DDB2D2ED-04BA-4C3B-A1BA-41B691232536}" type="datetime1">
               <a:rPr lang="en-US" smtClean="0"/>
-              <a:t>4/9/2023</a:t>
+              <a:t>4/10/2023</a:t>
             </a:fld>
             <a:endParaRPr lang="en-US" dirty="0"/>
           </a:p>
@@ -7393,15 +7478,6 @@
               <a:srgbClr val="C0C0C0"/>
             </a:contourClr>
           </a:sp3d>
-          <a:extLst>
-            <a:ext uri="{909E8E84-426E-40DD-AFC4-6F175D3DCCD1}">
-              <a14:hiddenFill xmlns:a14="http://schemas.microsoft.com/office/drawing/2010/main">
-                <a:solidFill>
-                  <a:srgbClr val="FFFFFF"/>
-                </a:solidFill>
-              </a14:hiddenFill>
-            </a:ext>
-          </a:extLst>
         </p:spPr>
       </p:pic>
     </p:spTree>
@@ -7805,7 +7881,7 @@
         </p:spPr>
         <p:txBody>
           <a:bodyPr>
-            <a:normAutofit fontScale="90000"/>
+            <a:normAutofit/>
           </a:bodyPr>
           <a:lstStyle/>
           <a:p>
@@ -7814,28 +7890,12 @@
               <a:buChar char="•"/>
             </a:pPr>
             <a:r>
-              <a:rPr lang="en-US" sz="8000" dirty="0">
+              <a:rPr lang="en-US" sz="8000">
                 <a:solidFill>
                   <a:schemeClr val="tx1"/>
                 </a:solidFill>
               </a:rPr>
-              <a:t>Nested </a:t>
-            </a:r>
-            <a:r>
-              <a:rPr lang="en-US" sz="8000" dirty="0" err="1">
-                <a:solidFill>
-                  <a:schemeClr val="tx1"/>
-                </a:solidFill>
-              </a:rPr>
-              <a:t>Functionsw</a:t>
-            </a:r>
-            <a:r>
-              <a:rPr lang="en-US" sz="8000" dirty="0">
-                <a:solidFill>
-                  <a:schemeClr val="tx1"/>
-                </a:solidFill>
-              </a:rPr>
-              <a:t>?? </a:t>
+              <a:t>Nested Functions?? </a:t>
             </a:r>
             <a:br>
               <a:rPr lang="en-US" sz="9800" dirty="0">
@@ -8293,15 +8353,6 @@
           <a:effectLst>
             <a:reflection blurRad="12700" stA="38000" endPos="28000" dist="5000" dir="5400000" sy="-100000" algn="bl" rotWithShape="0"/>
           </a:effectLst>
-          <a:extLst>
-            <a:ext uri="{909E8E84-426E-40DD-AFC4-6F175D3DCCD1}">
-              <a14:hiddenFill xmlns:a14="http://schemas.microsoft.com/office/drawing/2010/main">
-                <a:solidFill>
-                  <a:srgbClr val="FFFFFF"/>
-                </a:solidFill>
-              </a14:hiddenFill>
-            </a:ext>
-          </a:extLst>
         </p:spPr>
       </p:pic>
       <p:sp>
@@ -8910,7 +8961,7 @@
           <p:cNvPr id="2" name="Title 1">
             <a:extLst>
               <a:ext uri="{FF2B5EF4-FFF2-40B4-BE49-F238E27FC236}">
-                <a16:creationId xmlns:a16="http://schemas.microsoft.com/office/drawing/2014/main" id="{A0771F84-03A8-66F8-88E6-B753CAA8564B}"/>
+                <a16:creationId xmlns:a16="http://schemas.microsoft.com/office/drawing/2014/main" id="{D93A51BA-1179-DF00-005B-BCE4F4C59158}"/>
               </a:ext>
             </a:extLst>
           </p:cNvPr>
@@ -8928,7 +8979,7 @@
           <a:p>
             <a:r>
               <a:rPr lang="en-US" dirty="0"/>
-              <a:t>We can have more complex recursion!</a:t>
+              <a:t>VISUALGO</a:t>
             </a:r>
           </a:p>
         </p:txBody>
@@ -8938,7 +8989,7 @@
           <p:cNvPr id="7" name="Content Placeholder 6">
             <a:extLst>
               <a:ext uri="{FF2B5EF4-FFF2-40B4-BE49-F238E27FC236}">
-                <a16:creationId xmlns:a16="http://schemas.microsoft.com/office/drawing/2014/main" id="{EB4A8CEA-4B40-C3C0-8A99-1A803433300C}"/>
+                <a16:creationId xmlns:a16="http://schemas.microsoft.com/office/drawing/2014/main" id="{DD4E1381-4A1C-AE6B-49AB-2DC6DFC0BFEB}"/>
               </a:ext>
             </a:extLst>
           </p:cNvPr>
@@ -8957,8 +9008,8 @@
         </p:blipFill>
         <p:spPr>
           <a:xfrm>
-            <a:off x="3474062" y="2011363"/>
-            <a:ext cx="5242288" cy="4206875"/>
+            <a:off x="942141" y="1622480"/>
+            <a:ext cx="10044858" cy="4562461"/>
           </a:xfrm>
           <a:prstGeom prst="roundRect">
             <a:avLst>
@@ -8983,7 +9034,7 @@
           <p:cNvPr id="4" name="Footer Placeholder 3">
             <a:extLst>
               <a:ext uri="{FF2B5EF4-FFF2-40B4-BE49-F238E27FC236}">
-                <a16:creationId xmlns:a16="http://schemas.microsoft.com/office/drawing/2014/main" id="{EA775F77-1859-43F0-E0EA-252C6AB5869B}"/>
+                <a16:creationId xmlns:a16="http://schemas.microsoft.com/office/drawing/2014/main" id="{525E6920-9F1F-34A7-E396-3AF190F94768}"/>
               </a:ext>
             </a:extLst>
           </p:cNvPr>
@@ -9012,7 +9063,7 @@
           <p:cNvPr id="5" name="Slide Number Placeholder 4">
             <a:extLst>
               <a:ext uri="{FF2B5EF4-FFF2-40B4-BE49-F238E27FC236}">
-                <a16:creationId xmlns:a16="http://schemas.microsoft.com/office/drawing/2014/main" id="{B0829485-E33B-7386-6388-099104F110BD}"/>
+                <a16:creationId xmlns:a16="http://schemas.microsoft.com/office/drawing/2014/main" id="{39433858-C1CE-F3B0-4A45-A5FF297DE45F}"/>
               </a:ext>
             </a:extLst>
           </p:cNvPr>
@@ -9039,7 +9090,7 @@
     </p:spTree>
     <p:extLst>
       <p:ext uri="{BB962C8B-B14F-4D97-AF65-F5344CB8AC3E}">
-        <p14:creationId xmlns:p14="http://schemas.microsoft.com/office/powerpoint/2010/main" val="1299462947"/>
+        <p14:creationId xmlns:p14="http://schemas.microsoft.com/office/powerpoint/2010/main" val="2098737387"/>
       </p:ext>
     </p:extLst>
   </p:cSld>
@@ -9853,10 +9904,10 @@
       </p:grpSpPr>
       <p:sp>
         <p:nvSpPr>
-          <p:cNvPr id="5" name="Title 4">
+          <p:cNvPr id="2" name="Title 1">
             <a:extLst>
               <a:ext uri="{FF2B5EF4-FFF2-40B4-BE49-F238E27FC236}">
-                <a16:creationId xmlns:a16="http://schemas.microsoft.com/office/drawing/2014/main" id="{3E1FC432-A453-870C-34F6-F5AB1E824DD3}"/>
+                <a16:creationId xmlns:a16="http://schemas.microsoft.com/office/drawing/2014/main" id="{A0771F84-03A8-66F8-88E6-B753CAA8564B}"/>
               </a:ext>
             </a:extLst>
           </p:cNvPr>
@@ -9874,9 +9925,8 @@
           <a:p>
             <a:r>
               <a:rPr lang="en-US" dirty="0"/>
-              <a:t>Fractals</a:t>
-            </a:r>
-            <a:endParaRPr lang="fa-IR" dirty="0"/>
+              <a:t>We can have more complex recursion!</a:t>
+            </a:r>
           </a:p>
         </p:txBody>
       </p:sp>
@@ -9885,7 +9935,7 @@
           <p:cNvPr id="7" name="Content Placeholder 6">
             <a:extLst>
               <a:ext uri="{FF2B5EF4-FFF2-40B4-BE49-F238E27FC236}">
-                <a16:creationId xmlns:a16="http://schemas.microsoft.com/office/drawing/2014/main" id="{9A1D7013-90F8-8BA3-18AB-FDC1E12016C0}"/>
+                <a16:creationId xmlns:a16="http://schemas.microsoft.com/office/drawing/2014/main" id="{EB4A8CEA-4B40-C3C0-8A99-1A803433300C}"/>
               </a:ext>
             </a:extLst>
           </p:cNvPr>
@@ -9904,17 +9954,33 @@
         </p:blipFill>
         <p:spPr>
           <a:xfrm>
-            <a:off x="2507305" y="2011363"/>
-            <a:ext cx="7175803" cy="4206875"/>
+            <a:off x="3474062" y="2011363"/>
+            <a:ext cx="5242288" cy="4206875"/>
           </a:xfrm>
+          <a:prstGeom prst="roundRect">
+            <a:avLst>
+              <a:gd name="adj" fmla="val 8594"/>
+            </a:avLst>
+          </a:prstGeom>
+          <a:solidFill>
+            <a:srgbClr val="FFFFFF">
+              <a:shade val="85000"/>
+            </a:srgbClr>
+          </a:solidFill>
+          <a:ln>
+            <a:noFill/>
+          </a:ln>
+          <a:effectLst>
+            <a:reflection blurRad="12700" stA="38000" endPos="28000" dist="5000" dir="5400000" sy="-100000" algn="bl" rotWithShape="0"/>
+          </a:effectLst>
         </p:spPr>
       </p:pic>
       <p:sp>
         <p:nvSpPr>
-          <p:cNvPr id="2" name="Footer Placeholder 1">
+          <p:cNvPr id="4" name="Footer Placeholder 3">
             <a:extLst>
               <a:ext uri="{FF2B5EF4-FFF2-40B4-BE49-F238E27FC236}">
-                <a16:creationId xmlns:a16="http://schemas.microsoft.com/office/drawing/2014/main" id="{88F3A02B-EBDE-A1C4-048E-E606628F0D93}"/>
+                <a16:creationId xmlns:a16="http://schemas.microsoft.com/office/drawing/2014/main" id="{EA775F77-1859-43F0-E0EA-252C6AB5869B}"/>
               </a:ext>
             </a:extLst>
           </p:cNvPr>
@@ -9940,10 +10006,10 @@
       </p:sp>
       <p:sp>
         <p:nvSpPr>
-          <p:cNvPr id="4" name="Slide Number Placeholder 3">
+          <p:cNvPr id="5" name="Slide Number Placeholder 4">
             <a:extLst>
               <a:ext uri="{FF2B5EF4-FFF2-40B4-BE49-F238E27FC236}">
-                <a16:creationId xmlns:a16="http://schemas.microsoft.com/office/drawing/2014/main" id="{872D2B23-7846-DE1D-E096-383132454A1B}"/>
+                <a16:creationId xmlns:a16="http://schemas.microsoft.com/office/drawing/2014/main" id="{B0829485-E33B-7386-6388-099104F110BD}"/>
               </a:ext>
             </a:extLst>
           </p:cNvPr>
@@ -9970,7 +10036,7 @@
     </p:spTree>
     <p:extLst>
       <p:ext uri="{BB962C8B-B14F-4D97-AF65-F5344CB8AC3E}">
-        <p14:creationId xmlns:p14="http://schemas.microsoft.com/office/powerpoint/2010/main" val="3733848018"/>
+        <p14:creationId xmlns:p14="http://schemas.microsoft.com/office/powerpoint/2010/main" val="1299462947"/>
       </p:ext>
     </p:extLst>
   </p:cSld>
@@ -9999,6 +10065,152 @@
       </p:grpSpPr>
       <p:sp>
         <p:nvSpPr>
+          <p:cNvPr id="5" name="Title 4">
+            <a:extLst>
+              <a:ext uri="{FF2B5EF4-FFF2-40B4-BE49-F238E27FC236}">
+                <a16:creationId xmlns:a16="http://schemas.microsoft.com/office/drawing/2014/main" id="{3E1FC432-A453-870C-34F6-F5AB1E824DD3}"/>
+              </a:ext>
+            </a:extLst>
+          </p:cNvPr>
+          <p:cNvSpPr>
+            <a:spLocks noGrp="1"/>
+          </p:cNvSpPr>
+          <p:nvPr>
+            <p:ph type="title"/>
+          </p:nvPr>
+        </p:nvSpPr>
+        <p:spPr/>
+        <p:txBody>
+          <a:bodyPr/>
+          <a:lstStyle/>
+          <a:p>
+            <a:r>
+              <a:rPr lang="en-US" dirty="0"/>
+              <a:t>Fractals</a:t>
+            </a:r>
+            <a:endParaRPr lang="fa-IR" dirty="0"/>
+          </a:p>
+        </p:txBody>
+      </p:sp>
+      <p:pic>
+        <p:nvPicPr>
+          <p:cNvPr id="7" name="Content Placeholder 6">
+            <a:extLst>
+              <a:ext uri="{FF2B5EF4-FFF2-40B4-BE49-F238E27FC236}">
+                <a16:creationId xmlns:a16="http://schemas.microsoft.com/office/drawing/2014/main" id="{9A1D7013-90F8-8BA3-18AB-FDC1E12016C0}"/>
+              </a:ext>
+            </a:extLst>
+          </p:cNvPr>
+          <p:cNvPicPr>
+            <a:picLocks noGrp="1" noChangeAspect="1"/>
+          </p:cNvPicPr>
+          <p:nvPr>
+            <p:ph idx="1"/>
+          </p:nvPr>
+        </p:nvPicPr>
+        <p:blipFill>
+          <a:blip r:embed="rId2"/>
+          <a:stretch>
+            <a:fillRect/>
+          </a:stretch>
+        </p:blipFill>
+        <p:spPr>
+          <a:xfrm>
+            <a:off x="2507305" y="2011363"/>
+            <a:ext cx="7175803" cy="4206875"/>
+          </a:xfrm>
+        </p:spPr>
+      </p:pic>
+      <p:sp>
+        <p:nvSpPr>
+          <p:cNvPr id="2" name="Footer Placeholder 1">
+            <a:extLst>
+              <a:ext uri="{FF2B5EF4-FFF2-40B4-BE49-F238E27FC236}">
+                <a16:creationId xmlns:a16="http://schemas.microsoft.com/office/drawing/2014/main" id="{88F3A02B-EBDE-A1C4-048E-E606628F0D93}"/>
+              </a:ext>
+            </a:extLst>
+          </p:cNvPr>
+          <p:cNvSpPr>
+            <a:spLocks noGrp="1"/>
+          </p:cNvSpPr>
+          <p:nvPr>
+            <p:ph type="ftr" sz="quarter" idx="11"/>
+          </p:nvPr>
+        </p:nvSpPr>
+        <p:spPr/>
+        <p:txBody>
+          <a:bodyPr/>
+          <a:lstStyle/>
+          <a:p>
+            <a:r>
+              <a:rPr lang="en-US"/>
+              <a:t>Fundamental Programming with Python</a:t>
+            </a:r>
+            <a:endParaRPr lang="en-US" dirty="0"/>
+          </a:p>
+        </p:txBody>
+      </p:sp>
+      <p:sp>
+        <p:nvSpPr>
+          <p:cNvPr id="4" name="Slide Number Placeholder 3">
+            <a:extLst>
+              <a:ext uri="{FF2B5EF4-FFF2-40B4-BE49-F238E27FC236}">
+                <a16:creationId xmlns:a16="http://schemas.microsoft.com/office/drawing/2014/main" id="{872D2B23-7846-DE1D-E096-383132454A1B}"/>
+              </a:ext>
+            </a:extLst>
+          </p:cNvPr>
+          <p:cNvSpPr>
+            <a:spLocks noGrp="1"/>
+          </p:cNvSpPr>
+          <p:nvPr>
+            <p:ph type="sldNum" sz="quarter" idx="12"/>
+          </p:nvPr>
+        </p:nvSpPr>
+        <p:spPr/>
+        <p:txBody>
+          <a:bodyPr/>
+          <a:lstStyle/>
+          <a:p>
+            <a:fld id="{0079CAC6-A72B-4EF8-B465-34FA47827E7F}" type="slidenum">
+              <a:rPr lang="en-US" smtClean="0"/>
+              <a:t>21</a:t>
+            </a:fld>
+            <a:endParaRPr lang="en-US" dirty="0"/>
+          </a:p>
+        </p:txBody>
+      </p:sp>
+    </p:spTree>
+    <p:extLst>
+      <p:ext uri="{BB962C8B-B14F-4D97-AF65-F5344CB8AC3E}">
+        <p14:creationId xmlns:p14="http://schemas.microsoft.com/office/powerpoint/2010/main" val="3733848018"/>
+      </p:ext>
+    </p:extLst>
+  </p:cSld>
+  <p:clrMapOvr>
+    <a:masterClrMapping/>
+  </p:clrMapOvr>
+</p:sld>
+</file>
+
+<file path=ppt/slides/slide22.xml><?xml version="1.0" encoding="utf-8"?>
+<p:sld xmlns:a="http://schemas.openxmlformats.org/drawingml/2006/main" xmlns:r="http://schemas.openxmlformats.org/officeDocument/2006/relationships" xmlns:p="http://schemas.openxmlformats.org/presentationml/2006/main">
+  <p:cSld>
+    <p:spTree>
+      <p:nvGrpSpPr>
+        <p:cNvPr id="1" name=""/>
+        <p:cNvGrpSpPr/>
+        <p:nvPr/>
+      </p:nvGrpSpPr>
+      <p:grpSpPr>
+        <a:xfrm>
+          <a:off x="0" y="0"/>
+          <a:ext cx="0" cy="0"/>
+          <a:chOff x="0" y="0"/>
+          <a:chExt cx="0" cy="0"/>
+        </a:xfrm>
+      </p:grpSpPr>
+      <p:sp>
+        <p:nvSpPr>
           <p:cNvPr id="2" name="Title 1">
             <a:extLst>
               <a:ext uri="{FF2B5EF4-FFF2-40B4-BE49-F238E27FC236}">
@@ -10087,7 +10299,7 @@
           <a:p>
             <a:fld id="{0079CAC6-A72B-4EF8-B465-34FA47827E7F}" type="slidenum">
               <a:rPr lang="en-US" smtClean="0"/>
-              <a:t>21</a:t>
+              <a:t>22</a:t>
             </a:fld>
             <a:endParaRPr lang="en-US" dirty="0"/>
           </a:p>
@@ -10526,162 +10738,6 @@
 </p:sld>
 </file>
 
-<file path=ppt/slides/slide22.xml><?xml version="1.0" encoding="utf-8"?>
-<p:sld xmlns:a="http://schemas.openxmlformats.org/drawingml/2006/main" xmlns:r="http://schemas.openxmlformats.org/officeDocument/2006/relationships" xmlns:p="http://schemas.openxmlformats.org/presentationml/2006/main">
-  <p:cSld>
-    <p:spTree>
-      <p:nvGrpSpPr>
-        <p:cNvPr id="1" name=""/>
-        <p:cNvGrpSpPr/>
-        <p:nvPr/>
-      </p:nvGrpSpPr>
-      <p:grpSpPr>
-        <a:xfrm>
-          <a:off x="0" y="0"/>
-          <a:ext cx="0" cy="0"/>
-          <a:chOff x="0" y="0"/>
-          <a:chExt cx="0" cy="0"/>
-        </a:xfrm>
-      </p:grpSpPr>
-      <p:sp>
-        <p:nvSpPr>
-          <p:cNvPr id="2" name="Title 1">
-            <a:extLst>
-              <a:ext uri="{FF2B5EF4-FFF2-40B4-BE49-F238E27FC236}">
-                <a16:creationId xmlns:a16="http://schemas.microsoft.com/office/drawing/2014/main" id="{99517205-C291-55B8-BEC8-249A54314A1B}"/>
-              </a:ext>
-            </a:extLst>
-          </p:cNvPr>
-          <p:cNvSpPr>
-            <a:spLocks noGrp="1"/>
-          </p:cNvSpPr>
-          <p:nvPr>
-            <p:ph type="title"/>
-          </p:nvPr>
-        </p:nvSpPr>
-        <p:spPr/>
-        <p:txBody>
-          <a:bodyPr/>
-          <a:lstStyle/>
-          <a:p>
-            <a:r>
-              <a:rPr lang="en-US" dirty="0"/>
-              <a:t>For the next short presentation…</a:t>
-            </a:r>
-          </a:p>
-        </p:txBody>
-      </p:sp>
-      <p:sp>
-        <p:nvSpPr>
-          <p:cNvPr id="3" name="Content Placeholder 2">
-            <a:extLst>
-              <a:ext uri="{FF2B5EF4-FFF2-40B4-BE49-F238E27FC236}">
-                <a16:creationId xmlns:a16="http://schemas.microsoft.com/office/drawing/2014/main" id="{0E741F12-894A-BE5E-F9E7-F22051D5AEFE}"/>
-              </a:ext>
-            </a:extLst>
-          </p:cNvPr>
-          <p:cNvSpPr>
-            <a:spLocks noGrp="1"/>
-          </p:cNvSpPr>
-          <p:nvPr>
-            <p:ph idx="1"/>
-          </p:nvPr>
-        </p:nvSpPr>
-        <p:spPr/>
-        <p:txBody>
-          <a:bodyPr/>
-          <a:lstStyle/>
-          <a:p>
-            <a:r>
-              <a:rPr lang="en-US" dirty="0"/>
-              <a:t>Explain Fractal application examples</a:t>
-            </a:r>
-          </a:p>
-          <a:p>
-            <a:r>
-              <a:rPr lang="en-US" dirty="0"/>
-              <a:t>how can we do it!?</a:t>
-            </a:r>
-          </a:p>
-          <a:p>
-            <a:r>
-              <a:rPr lang="en-US" dirty="0"/>
-              <a:t>Code simple one!</a:t>
-            </a:r>
-          </a:p>
-        </p:txBody>
-      </p:sp>
-      <p:sp>
-        <p:nvSpPr>
-          <p:cNvPr id="4" name="Footer Placeholder 3">
-            <a:extLst>
-              <a:ext uri="{FF2B5EF4-FFF2-40B4-BE49-F238E27FC236}">
-                <a16:creationId xmlns:a16="http://schemas.microsoft.com/office/drawing/2014/main" id="{56F8F4B7-9C0E-1909-9B31-BEC2DCD14CF7}"/>
-              </a:ext>
-            </a:extLst>
-          </p:cNvPr>
-          <p:cNvSpPr>
-            <a:spLocks noGrp="1"/>
-          </p:cNvSpPr>
-          <p:nvPr>
-            <p:ph type="ftr" sz="quarter" idx="11"/>
-          </p:nvPr>
-        </p:nvSpPr>
-        <p:spPr/>
-        <p:txBody>
-          <a:bodyPr/>
-          <a:lstStyle/>
-          <a:p>
-            <a:r>
-              <a:rPr lang="en-US"/>
-              <a:t>Fundamental Programming with Python</a:t>
-            </a:r>
-            <a:endParaRPr lang="en-US" dirty="0"/>
-          </a:p>
-        </p:txBody>
-      </p:sp>
-      <p:sp>
-        <p:nvSpPr>
-          <p:cNvPr id="5" name="Slide Number Placeholder 4">
-            <a:extLst>
-              <a:ext uri="{FF2B5EF4-FFF2-40B4-BE49-F238E27FC236}">
-                <a16:creationId xmlns:a16="http://schemas.microsoft.com/office/drawing/2014/main" id="{07E6F651-BDF1-FEF6-6717-6D02BAB9DA7B}"/>
-              </a:ext>
-            </a:extLst>
-          </p:cNvPr>
-          <p:cNvSpPr>
-            <a:spLocks noGrp="1"/>
-          </p:cNvSpPr>
-          <p:nvPr>
-            <p:ph type="sldNum" sz="quarter" idx="12"/>
-          </p:nvPr>
-        </p:nvSpPr>
-        <p:spPr/>
-        <p:txBody>
-          <a:bodyPr/>
-          <a:lstStyle/>
-          <a:p>
-            <a:fld id="{0079CAC6-A72B-4EF8-B465-34FA47827E7F}" type="slidenum">
-              <a:rPr lang="en-US" smtClean="0"/>
-              <a:t>22</a:t>
-            </a:fld>
-            <a:endParaRPr lang="en-US" dirty="0"/>
-          </a:p>
-        </p:txBody>
-      </p:sp>
-    </p:spTree>
-    <p:extLst>
-      <p:ext uri="{BB962C8B-B14F-4D97-AF65-F5344CB8AC3E}">
-        <p14:creationId xmlns:p14="http://schemas.microsoft.com/office/powerpoint/2010/main" val="613481604"/>
-      </p:ext>
-    </p:extLst>
-  </p:cSld>
-  <p:clrMapOvr>
-    <a:masterClrMapping/>
-  </p:clrMapOvr>
-</p:sld>
-</file>
-
 <file path=ppt/slides/slide23.xml><?xml version="1.0" encoding="utf-8"?>
 <p:sld xmlns:a="http://schemas.openxmlformats.org/drawingml/2006/main" xmlns:r="http://schemas.openxmlformats.org/officeDocument/2006/relationships" xmlns:p="http://schemas.openxmlformats.org/presentationml/2006/main">
   <p:cSld>
@@ -10701,10 +10757,10 @@
       </p:grpSpPr>
       <p:sp>
         <p:nvSpPr>
-          <p:cNvPr id="5" name="Title 4">
+          <p:cNvPr id="2" name="Title 1">
             <a:extLst>
               <a:ext uri="{FF2B5EF4-FFF2-40B4-BE49-F238E27FC236}">
-                <a16:creationId xmlns:a16="http://schemas.microsoft.com/office/drawing/2014/main" id="{3E1FC432-A453-870C-34F6-F5AB1E824DD3}"/>
+                <a16:creationId xmlns:a16="http://schemas.microsoft.com/office/drawing/2014/main" id="{99517205-C291-55B8-BEC8-249A54314A1B}"/>
               </a:ext>
             </a:extLst>
           </p:cNvPr>
@@ -10722,18 +10778,86 @@
           <a:p>
             <a:r>
               <a:rPr lang="en-US" dirty="0"/>
-              <a:t>Application of Programming in the Digital Age!</a:t>
-            </a:r>
-            <a:endParaRPr lang="fa-IR" dirty="0"/>
-          </a:p>
-        </p:txBody>
-      </p:sp>
-      <p:sp>
-        <p:nvSpPr>
-          <p:cNvPr id="4" name="Slide Number Placeholder 3">
+              <a:t>For the next short presentation…</a:t>
+            </a:r>
+          </a:p>
+        </p:txBody>
+      </p:sp>
+      <p:sp>
+        <p:nvSpPr>
+          <p:cNvPr id="3" name="Content Placeholder 2">
             <a:extLst>
               <a:ext uri="{FF2B5EF4-FFF2-40B4-BE49-F238E27FC236}">
-                <a16:creationId xmlns:a16="http://schemas.microsoft.com/office/drawing/2014/main" id="{872D2B23-7846-DE1D-E096-383132454A1B}"/>
+                <a16:creationId xmlns:a16="http://schemas.microsoft.com/office/drawing/2014/main" id="{0E741F12-894A-BE5E-F9E7-F22051D5AEFE}"/>
+              </a:ext>
+            </a:extLst>
+          </p:cNvPr>
+          <p:cNvSpPr>
+            <a:spLocks noGrp="1"/>
+          </p:cNvSpPr>
+          <p:nvPr>
+            <p:ph idx="1"/>
+          </p:nvPr>
+        </p:nvSpPr>
+        <p:spPr/>
+        <p:txBody>
+          <a:bodyPr/>
+          <a:lstStyle/>
+          <a:p>
+            <a:r>
+              <a:rPr lang="en-US" dirty="0"/>
+              <a:t>Explain Fractal application examples</a:t>
+            </a:r>
+          </a:p>
+          <a:p>
+            <a:r>
+              <a:rPr lang="en-US" dirty="0"/>
+              <a:t>how can we do it!?</a:t>
+            </a:r>
+          </a:p>
+          <a:p>
+            <a:r>
+              <a:rPr lang="en-US" dirty="0"/>
+              <a:t>Code simple one!</a:t>
+            </a:r>
+          </a:p>
+        </p:txBody>
+      </p:sp>
+      <p:sp>
+        <p:nvSpPr>
+          <p:cNvPr id="4" name="Footer Placeholder 3">
+            <a:extLst>
+              <a:ext uri="{FF2B5EF4-FFF2-40B4-BE49-F238E27FC236}">
+                <a16:creationId xmlns:a16="http://schemas.microsoft.com/office/drawing/2014/main" id="{56F8F4B7-9C0E-1909-9B31-BEC2DCD14CF7}"/>
+              </a:ext>
+            </a:extLst>
+          </p:cNvPr>
+          <p:cNvSpPr>
+            <a:spLocks noGrp="1"/>
+          </p:cNvSpPr>
+          <p:nvPr>
+            <p:ph type="ftr" sz="quarter" idx="11"/>
+          </p:nvPr>
+        </p:nvSpPr>
+        <p:spPr/>
+        <p:txBody>
+          <a:bodyPr/>
+          <a:lstStyle/>
+          <a:p>
+            <a:r>
+              <a:rPr lang="en-US"/>
+              <a:t>Fundamental Programming with Python</a:t>
+            </a:r>
+            <a:endParaRPr lang="en-US" dirty="0"/>
+          </a:p>
+        </p:txBody>
+      </p:sp>
+      <p:sp>
+        <p:nvSpPr>
+          <p:cNvPr id="5" name="Slide Number Placeholder 4">
+            <a:extLst>
+              <a:ext uri="{FF2B5EF4-FFF2-40B4-BE49-F238E27FC236}">
+                <a16:creationId xmlns:a16="http://schemas.microsoft.com/office/drawing/2014/main" id="{07E6F651-BDF1-FEF6-6717-6D02BAB9DA7B}"/>
               </a:ext>
             </a:extLst>
           </p:cNvPr>
@@ -10757,39 +10881,10 @@
           </a:p>
         </p:txBody>
       </p:sp>
-      <p:sp>
-        <p:nvSpPr>
-          <p:cNvPr id="2" name="Footer Placeholder 1">
-            <a:extLst>
-              <a:ext uri="{FF2B5EF4-FFF2-40B4-BE49-F238E27FC236}">
-                <a16:creationId xmlns:a16="http://schemas.microsoft.com/office/drawing/2014/main" id="{88F3A02B-EBDE-A1C4-048E-E606628F0D93}"/>
-              </a:ext>
-            </a:extLst>
-          </p:cNvPr>
-          <p:cNvSpPr>
-            <a:spLocks noGrp="1"/>
-          </p:cNvSpPr>
-          <p:nvPr>
-            <p:ph type="ftr" sz="quarter" idx="11"/>
-          </p:nvPr>
-        </p:nvSpPr>
-        <p:spPr/>
-        <p:txBody>
-          <a:bodyPr/>
-          <a:lstStyle/>
-          <a:p>
-            <a:r>
-              <a:rPr lang="en-US"/>
-              <a:t>Fundamental Programming with Python</a:t>
-            </a:r>
-            <a:endParaRPr lang="en-US" dirty="0"/>
-          </a:p>
-        </p:txBody>
-      </p:sp>
     </p:spTree>
     <p:extLst>
       <p:ext uri="{BB962C8B-B14F-4D97-AF65-F5344CB8AC3E}">
-        <p14:creationId xmlns:p14="http://schemas.microsoft.com/office/powerpoint/2010/main" val="2564189193"/>
+        <p14:creationId xmlns:p14="http://schemas.microsoft.com/office/powerpoint/2010/main" val="613481604"/>
       </p:ext>
     </p:extLst>
   </p:cSld>
@@ -10818,6 +10913,123 @@
       </p:grpSpPr>
       <p:sp>
         <p:nvSpPr>
+          <p:cNvPr id="5" name="Title 4">
+            <a:extLst>
+              <a:ext uri="{FF2B5EF4-FFF2-40B4-BE49-F238E27FC236}">
+                <a16:creationId xmlns:a16="http://schemas.microsoft.com/office/drawing/2014/main" id="{3E1FC432-A453-870C-34F6-F5AB1E824DD3}"/>
+              </a:ext>
+            </a:extLst>
+          </p:cNvPr>
+          <p:cNvSpPr>
+            <a:spLocks noGrp="1"/>
+          </p:cNvSpPr>
+          <p:nvPr>
+            <p:ph type="title"/>
+          </p:nvPr>
+        </p:nvSpPr>
+        <p:spPr/>
+        <p:txBody>
+          <a:bodyPr/>
+          <a:lstStyle/>
+          <a:p>
+            <a:r>
+              <a:rPr lang="en-US" dirty="0"/>
+              <a:t>Application of Programming in the Digital Age!</a:t>
+            </a:r>
+            <a:endParaRPr lang="fa-IR" dirty="0"/>
+          </a:p>
+        </p:txBody>
+      </p:sp>
+      <p:sp>
+        <p:nvSpPr>
+          <p:cNvPr id="4" name="Slide Number Placeholder 3">
+            <a:extLst>
+              <a:ext uri="{FF2B5EF4-FFF2-40B4-BE49-F238E27FC236}">
+                <a16:creationId xmlns:a16="http://schemas.microsoft.com/office/drawing/2014/main" id="{872D2B23-7846-DE1D-E096-383132454A1B}"/>
+              </a:ext>
+            </a:extLst>
+          </p:cNvPr>
+          <p:cNvSpPr>
+            <a:spLocks noGrp="1"/>
+          </p:cNvSpPr>
+          <p:nvPr>
+            <p:ph type="sldNum" sz="quarter" idx="12"/>
+          </p:nvPr>
+        </p:nvSpPr>
+        <p:spPr/>
+        <p:txBody>
+          <a:bodyPr/>
+          <a:lstStyle/>
+          <a:p>
+            <a:fld id="{0079CAC6-A72B-4EF8-B465-34FA47827E7F}" type="slidenum">
+              <a:rPr lang="en-US" smtClean="0"/>
+              <a:t>24</a:t>
+            </a:fld>
+            <a:endParaRPr lang="en-US" dirty="0"/>
+          </a:p>
+        </p:txBody>
+      </p:sp>
+      <p:sp>
+        <p:nvSpPr>
+          <p:cNvPr id="2" name="Footer Placeholder 1">
+            <a:extLst>
+              <a:ext uri="{FF2B5EF4-FFF2-40B4-BE49-F238E27FC236}">
+                <a16:creationId xmlns:a16="http://schemas.microsoft.com/office/drawing/2014/main" id="{88F3A02B-EBDE-A1C4-048E-E606628F0D93}"/>
+              </a:ext>
+            </a:extLst>
+          </p:cNvPr>
+          <p:cNvSpPr>
+            <a:spLocks noGrp="1"/>
+          </p:cNvSpPr>
+          <p:nvPr>
+            <p:ph type="ftr" sz="quarter" idx="11"/>
+          </p:nvPr>
+        </p:nvSpPr>
+        <p:spPr/>
+        <p:txBody>
+          <a:bodyPr/>
+          <a:lstStyle/>
+          <a:p>
+            <a:r>
+              <a:rPr lang="en-US"/>
+              <a:t>Fundamental Programming with Python</a:t>
+            </a:r>
+            <a:endParaRPr lang="en-US" dirty="0"/>
+          </a:p>
+        </p:txBody>
+      </p:sp>
+    </p:spTree>
+    <p:extLst>
+      <p:ext uri="{BB962C8B-B14F-4D97-AF65-F5344CB8AC3E}">
+        <p14:creationId xmlns:p14="http://schemas.microsoft.com/office/powerpoint/2010/main" val="2564189193"/>
+      </p:ext>
+    </p:extLst>
+  </p:cSld>
+  <p:clrMapOvr>
+    <a:masterClrMapping/>
+  </p:clrMapOvr>
+</p:sld>
+</file>
+
+<file path=ppt/slides/slide25.xml><?xml version="1.0" encoding="utf-8"?>
+<p:sld xmlns:a="http://schemas.openxmlformats.org/drawingml/2006/main" xmlns:r="http://schemas.openxmlformats.org/officeDocument/2006/relationships" xmlns:p="http://schemas.openxmlformats.org/presentationml/2006/main">
+  <p:cSld>
+    <p:spTree>
+      <p:nvGrpSpPr>
+        <p:cNvPr id="1" name=""/>
+        <p:cNvGrpSpPr/>
+        <p:nvPr/>
+      </p:nvGrpSpPr>
+      <p:grpSpPr>
+        <a:xfrm>
+          <a:off x="0" y="0"/>
+          <a:ext cx="0" cy="0"/>
+          <a:chOff x="0" y="0"/>
+          <a:chExt cx="0" cy="0"/>
+        </a:xfrm>
+      </p:grpSpPr>
+      <p:sp>
+        <p:nvSpPr>
           <p:cNvPr id="2" name="Title 1">
             <a:extLst>
               <a:ext uri="{FF2B5EF4-FFF2-40B4-BE49-F238E27FC236}">
@@ -10899,7 +11111,7 @@
           <a:p>
             <a:fld id="{0079CAC6-A72B-4EF8-B465-34FA47827E7F}" type="slidenum">
               <a:rPr lang="en-US" smtClean="0"/>
-              <a:t>24</a:t>
+              <a:t>25</a:t>
             </a:fld>
             <a:endParaRPr lang="en-US" dirty="0"/>
           </a:p>
@@ -11023,7 +11235,7 @@
 </p:sld>
 </file>
 
-<file path=ppt/slides/slide25.xml><?xml version="1.0" encoding="utf-8"?>
+<file path=ppt/slides/slide26.xml><?xml version="1.0" encoding="utf-8"?>
 <p:sld xmlns:a="http://schemas.openxmlformats.org/drawingml/2006/main" xmlns:r="http://schemas.openxmlformats.org/officeDocument/2006/relationships" xmlns:p="http://schemas.openxmlformats.org/presentationml/2006/main">
   <p:cSld>
     <p:spTree>
@@ -11094,7 +11306,7 @@
             <a:pPr algn="just"/>
             <a:r>
               <a:rPr lang="en-US" sz="2800" i="1" dirty="0">
-                <a:hlinkClick r:id="rId2"/>
+                <a:hlinkClick r:id="rId3"/>
               </a:rPr>
               <a:t>https://natureofcode.com/book/chapter-8-fractals/</a:t>
             </a:r>
@@ -11104,10 +11316,38 @@
             <a:pPr algn="just"/>
             <a:r>
               <a:rPr lang="en-US" sz="2800" i="1" dirty="0">
-                <a:hlinkClick r:id="rId3"/>
+                <a:hlinkClick r:id="rId4"/>
               </a:rPr>
               <a:t>https://medium.com/@saiesh.prabhu17/algorithm-design-techniques-406922dd3047</a:t>
             </a:r>
+            <a:endParaRPr lang="en-US" sz="2800" i="1" dirty="0"/>
+          </a:p>
+          <a:p>
+            <a:pPr algn="just"/>
+            <a:r>
+              <a:rPr lang="en-US" sz="2800" i="1" dirty="0">
+                <a:hlinkClick r:id="rId5"/>
+              </a:rPr>
+              <a:t>https://github.com/tayllan/awesome-algorithms</a:t>
+            </a:r>
+            <a:endParaRPr lang="fa-IR" sz="2800" i="1" dirty="0"/>
+          </a:p>
+          <a:p>
+            <a:pPr algn="just"/>
+            <a:r>
+              <a:rPr lang="en-US" sz="2800" i="1" dirty="0">
+                <a:hlinkClick r:id="rId6"/>
+              </a:rPr>
+              <a:t>https://visualgo.net/en/recursion</a:t>
+            </a:r>
+            <a:endParaRPr lang="fa-IR" sz="2800" i="1" dirty="0"/>
+          </a:p>
+          <a:p>
+            <a:pPr algn="just"/>
+            <a:endParaRPr lang="en-US" sz="2800" i="1" dirty="0"/>
+          </a:p>
+          <a:p>
+            <a:pPr algn="just"/>
             <a:endParaRPr lang="en-US" sz="2800" i="1" dirty="0"/>
           </a:p>
           <a:p>
@@ -11139,7 +11379,7 @@
           <a:p>
             <a:fld id="{0079CAC6-A72B-4EF8-B465-34FA47827E7F}" type="slidenum">
               <a:rPr lang="en-US" smtClean="0"/>
-              <a:t>25</a:t>
+              <a:t>26</a:t>
             </a:fld>
             <a:endParaRPr lang="en-US" dirty="0"/>
           </a:p>
@@ -11171,6 +11411,51 @@
               <a:t>Fundamental Programming with Python</a:t>
             </a:r>
             <a:endParaRPr lang="en-US" dirty="0"/>
+          </a:p>
+        </p:txBody>
+      </p:sp>
+      <p:sp>
+        <p:nvSpPr>
+          <p:cNvPr id="7" name="TextBox 6">
+            <a:extLst>
+              <a:ext uri="{FF2B5EF4-FFF2-40B4-BE49-F238E27FC236}">
+                <a16:creationId xmlns:a16="http://schemas.microsoft.com/office/drawing/2014/main" id="{967C6227-6658-E801-3600-DB6806F1D9A2}"/>
+              </a:ext>
+            </a:extLst>
+          </p:cNvPr>
+          <p:cNvSpPr txBox="1"/>
+          <p:nvPr/>
+        </p:nvSpPr>
+        <p:spPr>
+          <a:xfrm>
+            <a:off x="6621518" y="3152054"/>
+            <a:ext cx="5570482" cy="400110"/>
+          </a:xfrm>
+          <a:prstGeom prst="rect">
+            <a:avLst/>
+          </a:prstGeom>
+          <a:solidFill>
+            <a:schemeClr val="accent2"/>
+          </a:solidFill>
+        </p:spPr>
+        <p:txBody>
+          <a:bodyPr wrap="square">
+            <a:spAutoFit/>
+          </a:bodyPr>
+          <a:lstStyle/>
+          <a:p>
+            <a:r>
+              <a:rPr lang="en-US" sz="2000" b="1" dirty="0"/>
+              <a:t>Thanks to Mehdi </a:t>
+            </a:r>
+            <a:r>
+              <a:rPr lang="en-US" sz="2000" b="1" dirty="0" err="1"/>
+              <a:t>Allahyari</a:t>
+            </a:r>
+            <a:r>
+              <a:rPr lang="en-US" sz="2000" b="1" dirty="0"/>
+              <a:t> for his comment❤</a:t>
+            </a:r>
           </a:p>
         </p:txBody>
       </p:sp>
@@ -13647,6 +13932,15 @@
 </file>
 
 <file path=customXml/item2.xml><?xml version="1.0" encoding="utf-8"?>
+<?mso-contentType ?>
+<FormTemplates xmlns="http://schemas.microsoft.com/sharepoint/v3/contenttype/forms">
+  <Display>DocumentLibraryForm</Display>
+  <Edit>DocumentLibraryForm</Edit>
+  <New>DocumentLibraryForm</New>
+</FormTemplates>
+</file>
+
+<file path=customXml/item3.xml><?xml version="1.0" encoding="utf-8"?>
 <ct:contentTypeSchema xmlns:ct="http://schemas.microsoft.com/office/2006/metadata/contentType" xmlns:ma="http://schemas.microsoft.com/office/2006/metadata/properties/metaAttributes" ct:_="" ma:_="" ma:contentTypeName="Document" ma:contentTypeID="0x01010079F111ED35F8CC479449609E8A0923A6" ma:contentTypeVersion="11" ma:contentTypeDescription="Create a new document." ma:contentTypeScope="" ma:versionID="96291512c1ee715ab617f4c07df79fc1">
   <xsd:schema xmlns:xsd="http://www.w3.org/2001/XMLSchema" xmlns:xs="http://www.w3.org/2001/XMLSchema" xmlns:p="http://schemas.microsoft.com/office/2006/metadata/properties" xmlns:ns2="71af3243-3dd4-4a8d-8c0d-dd76da1f02a5" xmlns:ns3="16c05727-aa75-4e4a-9b5f-8a80a1165891" targetNamespace="http://schemas.microsoft.com/office/2006/metadata/properties" ma:root="true" ma:fieldsID="8256c27c40ca5c40ce1cf6c44f0205df" ns2:_="" ns3:_="">
     <xsd:import namespace="71af3243-3dd4-4a8d-8c0d-dd76da1f02a5"/>
@@ -13857,15 +14151,6 @@
 </ct:contentTypeSchema>
 </file>
 
-<file path=customXml/item3.xml><?xml version="1.0" encoding="utf-8"?>
-<?mso-contentType ?>
-<FormTemplates xmlns="http://schemas.microsoft.com/sharepoint/v3/contenttype/forms">
-  <Display>DocumentLibraryForm</Display>
-  <Edit>DocumentLibraryForm</Edit>
-  <New>DocumentLibraryForm</New>
-</FormTemplates>
-</file>
-
 <file path=customXml/itemProps1.xml><?xml version="1.0" encoding="utf-8"?>
 <ds:datastoreItem xmlns:ds="http://schemas.openxmlformats.org/officeDocument/2006/customXml" ds:itemID="{2A9B77A0-8658-45E5-8D19-245595005394}">
   <ds:schemaRefs>
@@ -13877,6 +14162,14 @@
 </file>
 
 <file path=customXml/itemProps2.xml><?xml version="1.0" encoding="utf-8"?>
+<ds:datastoreItem xmlns:ds="http://schemas.openxmlformats.org/officeDocument/2006/customXml" ds:itemID="{19E42AFF-377A-47D3-84EF-20B0692369E9}">
+  <ds:schemaRefs>
+    <ds:schemaRef ds:uri="http://schemas.microsoft.com/sharepoint/v3/contenttype/forms"/>
+  </ds:schemaRefs>
+</ds:datastoreItem>
+</file>
+
+<file path=customXml/itemProps3.xml><?xml version="1.0" encoding="utf-8"?>
 <ds:datastoreItem xmlns:ds="http://schemas.openxmlformats.org/officeDocument/2006/customXml" ds:itemID="{28AC8BD7-946A-4C17-A395-21CB0265D784}">
   <ds:schemaRefs>
     <ds:schemaRef ds:uri="http://schemas.microsoft.com/office/2006/metadata/contentType"/>
@@ -13893,12 +14186,4 @@
     <ds:schemaRef ds:uri="http://schemas.microsoft.com/internal/obd"/>
   </ds:schemaRefs>
 </ds:datastoreItem>
-</file>
-
-<file path=customXml/itemProps3.xml><?xml version="1.0" encoding="utf-8"?>
-<ds:datastoreItem xmlns:ds="http://schemas.openxmlformats.org/officeDocument/2006/customXml" ds:itemID="{19E42AFF-377A-47D3-84EF-20B0692369E9}">
-  <ds:schemaRefs>
-    <ds:schemaRef ds:uri="http://schemas.microsoft.com/sharepoint/v3/contenttype/forms"/>
-  </ds:schemaRefs>
-</ds:datastoreItem>
 </file>